--- a/data/2020-21/cs/tf-cs-04b.pptx
+++ b/data/2020-21/cs/tf-cs-04b.pptx
@@ -11803,27 +11803,20 @@
           <a:p>
             <a:pPr lvl="1"/>
             <a:r>
-              <a:rPr lang="en-US">
+              <a:rPr lang="en-US" dirty="0">
                 <a:sym typeface="Wingdings" panose="05000000000000000000" pitchFamily="2" charset="2"/>
                 <a:hlinkClick r:id="rId3"/>
               </a:rPr>
-              <a:t>https</a:t>
-            </a:r>
-            <a:r>
-              <a:rPr lang="en-US">
+              <a:t>https://</a:t>
+            </a:r>
+            <a:r>
+              <a:rPr lang="en-US" dirty="0" smtClean="0">
                 <a:sym typeface="Wingdings" panose="05000000000000000000" pitchFamily="2" charset="2"/>
                 <a:hlinkClick r:id="rId3"/>
               </a:rPr>
-              <a:t>://</a:t>
-            </a:r>
-            <a:r>
-              <a:rPr lang="en-US" smtClean="0">
-                <a:sym typeface="Wingdings" panose="05000000000000000000" pitchFamily="2" charset="2"/>
-                <a:hlinkClick r:id="rId3"/>
-              </a:rPr>
               <a:t>pastebin.com/8nAjXrsr</a:t>
             </a:r>
-            <a:endParaRPr lang="en-US" smtClean="0">
+            <a:endParaRPr lang="en-US" dirty="0" smtClean="0">
               <a:sym typeface="Wingdings" panose="05000000000000000000" pitchFamily="2" charset="2"/>
             </a:endParaRPr>
           </a:p>
@@ -11851,6 +11844,13 @@
   <p:clrMapOvr>
     <a:masterClrMapping/>
   </p:clrMapOvr>
+  <p:timing>
+    <p:tnLst>
+      <p:par>
+        <p:cTn id="1" dur="indefinite" restart="never" nodeType="tmRoot"/>
+      </p:par>
+    </p:tnLst>
+  </p:timing>
 </p:sld>
 </file>
 
@@ -20515,7 +20515,11 @@
             <a:graphicFrameLocks noGrp="1"/>
           </p:cNvGraphicFramePr>
           <p:nvPr>
-            <p:extLst/>
+            <p:extLst>
+              <p:ext uri="{D42A27DB-BD31-4B8C-83A1-F6EECF244321}">
+                <p14:modId xmlns:p14="http://schemas.microsoft.com/office/powerpoint/2010/main" val="2930285180"/>
+              </p:ext>
+            </p:extLst>
           </p:nvPr>
         </p:nvGraphicFramePr>
         <p:xfrm>
@@ -20759,8 +20763,8 @@
                     <a:lstStyle/>
                     <a:p>
                       <a:r>
-                        <a:rPr lang="cs-CZ" dirty="0" smtClean="0"/>
-                        <a:t>0</a:t>
+                        <a:rPr lang="en-US" dirty="0" smtClean="0"/>
+                        <a:t>1</a:t>
                       </a:r>
                       <a:endParaRPr lang="cs-CZ" dirty="0"/>
                     </a:p>
@@ -20773,8 +20777,8 @@
                     <a:lstStyle/>
                     <a:p>
                       <a:r>
-                        <a:rPr lang="cs-CZ" dirty="0" smtClean="0"/>
-                        <a:t>1</a:t>
+                        <a:rPr lang="en-US" dirty="0" smtClean="0"/>
+                        <a:t>0</a:t>
                       </a:r>
                       <a:endParaRPr lang="cs-CZ" dirty="0"/>
                     </a:p>
